--- a/BDM/HW3.pptx
+++ b/BDM/HW3.pptx
@@ -213,6 +213,29 @@
     </pc:docChg>
   </pc:docChgLst>
   <pc:docChgLst>
+    <pc:chgData name="楊淨雯" userId="S::112598017@cc.ntut.edu.tw::7f2610d6-a863-4d1e-b960-0612953df963" providerId="AD" clId="Web-{9839181E-A5FD-4084-92AF-7486788F5F8D}"/>
+    <pc:docChg chg="sldOrd">
+      <pc:chgData name="楊淨雯" userId="S::112598017@cc.ntut.edu.tw::7f2610d6-a863-4d1e-b960-0612953df963" providerId="AD" clId="Web-{9839181E-A5FD-4084-92AF-7486788F5F8D}" dt="2023-10-25T13:26:37.169" v="1"/>
+      <pc:docMkLst>
+        <pc:docMk/>
+      </pc:docMkLst>
+      <pc:sldChg chg="ord">
+        <pc:chgData name="楊淨雯" userId="S::112598017@cc.ntut.edu.tw::7f2610d6-a863-4d1e-b960-0612953df963" providerId="AD" clId="Web-{9839181E-A5FD-4084-92AF-7486788F5F8D}" dt="2023-10-25T13:26:37.169" v="1"/>
+        <pc:sldMkLst>
+          <pc:docMk/>
+          <pc:sldMk cId="0" sldId="274"/>
+        </pc:sldMkLst>
+      </pc:sldChg>
+      <pc:sldChg chg="ord">
+        <pc:chgData name="楊淨雯" userId="S::112598017@cc.ntut.edu.tw::7f2610d6-a863-4d1e-b960-0612953df963" providerId="AD" clId="Web-{9839181E-A5FD-4084-92AF-7486788F5F8D}" dt="2023-10-25T13:16:57.796" v="0"/>
+        <pc:sldMkLst>
+          <pc:docMk/>
+          <pc:sldMk cId="1113098904" sldId="489"/>
+        </pc:sldMkLst>
+      </pc:sldChg>
+    </pc:docChg>
+  </pc:docChgLst>
+  <pc:docChgLst>
     <pc:chgData name="盧永合" userId="S::111998413@cc.ntut.edu.tw::51dde39c-1691-458c-b840-9dbc3dd1ae57" providerId="AD" clId="Web-{2E7884CF-B05B-4704-A863-9A50F7E2476B}"/>
     <pc:docChg chg="modSld">
       <pc:chgData name="盧永合" userId="S::111998413@cc.ntut.edu.tw::51dde39c-1691-458c-b840-9dbc3dd1ae57" providerId="AD" clId="Web-{2E7884CF-B05B-4704-A863-9A50F7E2476B}" dt="2023-10-26T06:40:46.449" v="23" actId="20577"/>
@@ -248,29 +271,6 @@
             <ac:spMk id="9219" creationId="{00000000-0000-0000-0000-000000000000}"/>
           </ac:spMkLst>
         </pc:spChg>
-      </pc:sldChg>
-    </pc:docChg>
-  </pc:docChgLst>
-  <pc:docChgLst>
-    <pc:chgData name="楊淨雯" userId="S::112598017@cc.ntut.edu.tw::7f2610d6-a863-4d1e-b960-0612953df963" providerId="AD" clId="Web-{9839181E-A5FD-4084-92AF-7486788F5F8D}"/>
-    <pc:docChg chg="sldOrd">
-      <pc:chgData name="楊淨雯" userId="S::112598017@cc.ntut.edu.tw::7f2610d6-a863-4d1e-b960-0612953df963" providerId="AD" clId="Web-{9839181E-A5FD-4084-92AF-7486788F5F8D}" dt="2023-10-25T13:26:37.169" v="1"/>
-      <pc:docMkLst>
-        <pc:docMk/>
-      </pc:docMkLst>
-      <pc:sldChg chg="ord">
-        <pc:chgData name="楊淨雯" userId="S::112598017@cc.ntut.edu.tw::7f2610d6-a863-4d1e-b960-0612953df963" providerId="AD" clId="Web-{9839181E-A5FD-4084-92AF-7486788F5F8D}" dt="2023-10-25T13:26:37.169" v="1"/>
-        <pc:sldMkLst>
-          <pc:docMk/>
-          <pc:sldMk cId="0" sldId="274"/>
-        </pc:sldMkLst>
-      </pc:sldChg>
-      <pc:sldChg chg="ord">
-        <pc:chgData name="楊淨雯" userId="S::112598017@cc.ntut.edu.tw::7f2610d6-a863-4d1e-b960-0612953df963" providerId="AD" clId="Web-{9839181E-A5FD-4084-92AF-7486788F5F8D}" dt="2023-10-25T13:16:57.796" v="0"/>
-        <pc:sldMkLst>
-          <pc:docMk/>
-          <pc:sldMk cId="1113098904" sldId="489"/>
-        </pc:sldMkLst>
       </pc:sldChg>
     </pc:docChg>
   </pc:docChgLst>
@@ -2671,7 +2671,7 @@
             </a:pPr>
             <a:r>
               <a:rPr lang="en-US" altLang="zh-TW"/>
-              <a:t>Big Data Mining &amp; Applications, Fall 2023</a:t>
+              <a:t>Big Data Mining &amp; Applications, Fall 2024</a:t>
             </a:r>
           </a:p>
         </p:txBody>
@@ -2871,7 +2871,7 @@
             </a:pPr>
             <a:r>
               <a:rPr lang="en-US" altLang="zh-TW"/>
-              <a:t>Big Data Mining &amp; Applications, Fall 2023</a:t>
+              <a:t>Big Data Mining &amp; Applications, Fall 2024</a:t>
             </a:r>
           </a:p>
         </p:txBody>
@@ -3081,7 +3081,7 @@
             </a:pPr>
             <a:r>
               <a:rPr lang="en-US" altLang="zh-TW"/>
-              <a:t>Big Data Mining &amp; Applications, Fall 2023</a:t>
+              <a:t>Big Data Mining &amp; Applications, Fall 2024</a:t>
             </a:r>
           </a:p>
         </p:txBody>
@@ -3281,7 +3281,7 @@
             </a:pPr>
             <a:r>
               <a:rPr lang="en-US" altLang="zh-TW"/>
-              <a:t>Big Data Mining &amp; Applications, Fall 2023</a:t>
+              <a:t>Big Data Mining &amp; Applications, Fall 2024</a:t>
             </a:r>
           </a:p>
         </p:txBody>
@@ -3504,7 +3504,7 @@
             </a:pPr>
             <a:r>
               <a:rPr lang="en-US" altLang="zh-TW"/>
-              <a:t>Big Data Mining &amp; Applications, Fall 2023</a:t>
+              <a:t>Big Data Mining &amp; Applications, Fall 2024</a:t>
             </a:r>
           </a:p>
         </p:txBody>
@@ -3821,7 +3821,7 @@
             </a:pPr>
             <a:r>
               <a:rPr lang="en-US" altLang="zh-TW"/>
-              <a:t>Big Data Mining &amp; Applications, Fall 2023</a:t>
+              <a:t>Big Data Mining &amp; Applications, Fall 2024</a:t>
             </a:r>
           </a:p>
         </p:txBody>
@@ -4272,7 +4272,7 @@
             </a:pPr>
             <a:r>
               <a:rPr lang="en-US" altLang="zh-TW"/>
-              <a:t>Big Data Mining &amp; Applications, Fall 2023</a:t>
+              <a:t>Big Data Mining &amp; Applications, Fall 2024</a:t>
             </a:r>
           </a:p>
         </p:txBody>
@@ -4421,7 +4421,7 @@
             </a:pPr>
             <a:r>
               <a:rPr lang="en-US" altLang="zh-TW"/>
-              <a:t>Big Data Mining &amp; Applications, Fall 2023</a:t>
+              <a:t>Big Data Mining &amp; Applications, Fall 2024</a:t>
             </a:r>
           </a:p>
         </p:txBody>
@@ -4548,7 +4548,7 @@
             </a:pPr>
             <a:r>
               <a:rPr lang="en-US" altLang="zh-TW"/>
-              <a:t>Big Data Mining &amp; Applications, Fall 2023</a:t>
+              <a:t>Big Data Mining &amp; Applications, Fall 2024</a:t>
             </a:r>
           </a:p>
         </p:txBody>
@@ -4855,7 +4855,7 @@
             </a:pPr>
             <a:r>
               <a:rPr lang="en-US" altLang="zh-TW"/>
-              <a:t>Big Data Mining &amp; Applications, Fall 2023</a:t>
+              <a:t>Big Data Mining &amp; Applications, Fall 2024</a:t>
             </a:r>
           </a:p>
         </p:txBody>
@@ -5140,7 +5140,7 @@
             </a:pPr>
             <a:r>
               <a:rPr lang="en-US" altLang="zh-TW"/>
-              <a:t>Big Data Mining &amp; Applications, Fall 2023</a:t>
+              <a:t>Big Data Mining &amp; Applications, Fall 2024</a:t>
             </a:r>
           </a:p>
         </p:txBody>
@@ -5485,7 +5485,7 @@
             </a:pPr>
             <a:r>
               <a:rPr lang="en-US" altLang="zh-TW"/>
-              <a:t>Big Data Mining &amp; Applications, Fall 2023</a:t>
+              <a:t>Big Data Mining &amp; Applications, Fall 2024</a:t>
             </a:r>
           </a:p>
         </p:txBody>
@@ -6089,10 +6089,6 @@
               <a:rPr lang="en-US" altLang="zh-TW"/>
               <a:t>Big Data Mining: HW#3</a:t>
             </a:r>
-            <a:r>
-              <a:rPr lang="en-US" altLang="zh-TW" sz="4000"/>
-              <a:t/>
-            </a:r>
             <a:br>
               <a:rPr lang="en-US" altLang="zh-TW" sz="4000"/>
             </a:br>
@@ -6117,15 +6113,15 @@
           <a:p>
             <a:pPr eaLnBrk="1" hangingPunct="1"/>
             <a:r>
-              <a:rPr lang="en-US" altLang="zh-TW"/>
+              <a:rPr lang="en-US" altLang="zh-TW" dirty="0"/>
               <a:t>J. H. Wang</a:t>
             </a:r>
           </a:p>
           <a:p>
             <a:pPr eaLnBrk="1" hangingPunct="1"/>
             <a:r>
-              <a:rPr lang="en-US" altLang="zh-TW"/>
-              <a:t>Nov. 23, 2023</a:t>
+              <a:rPr lang="en-US" altLang="zh-TW" dirty="0"/>
+              <a:t>Nov. 20, 2024</a:t>
             </a:r>
           </a:p>
         </p:txBody>
@@ -6492,7 +6488,7 @@
               <a:rPr kumimoji="0" lang="en-US" altLang="zh-TW" sz="1400">
                 <a:latin typeface="Arial" panose="020B0604020202020204" pitchFamily="34" charset="0"/>
               </a:rPr>
-              <a:t>Big Data Mining &amp; Applications, Fall 2023</a:t>
+              <a:t>Big Data Mining &amp; Applications, Fall 2024</a:t>
             </a:r>
           </a:p>
         </p:txBody>
@@ -7219,7 +7215,7 @@
               <a:rPr kumimoji="0" lang="en-US" altLang="zh-TW" sz="1400">
                 <a:latin typeface="Arial" panose="020B0604020202020204" pitchFamily="34" charset="0"/>
               </a:rPr>
-              <a:t>Big Data Mining &amp; Applications, Fall 2023</a:t>
+              <a:t>Big Data Mining &amp; Applications, Fall 2024</a:t>
             </a:r>
           </a:p>
         </p:txBody>
@@ -8060,7 +8056,7 @@
               <a:rPr kumimoji="0" lang="en-US" altLang="zh-TW" sz="1400">
                 <a:latin typeface="Arial" panose="020B0604020202020204" pitchFamily="34" charset="0"/>
               </a:rPr>
-              <a:t>Big Data Mining &amp; Applications, Fall 2023</a:t>
+              <a:t>Big Data Mining &amp; Applications, Fall 2024</a:t>
             </a:r>
           </a:p>
         </p:txBody>
@@ -9011,20 +9007,17 @@
               <a:t> test documents in </a:t>
             </a:r>
             <a:r>
-              <a:rPr lang="en-US" altLang="zh-TW" sz="2400" dirty="0" err="1" smtClean="0">
+              <a:rPr lang="en-US" altLang="zh-TW" sz="2400" dirty="0" err="1">
                 <a:ea typeface="新細明體" charset="-120"/>
               </a:rPr>
               <a:t>ModApte</a:t>
             </a:r>
             <a:r>
-              <a:rPr lang="en-US" altLang="zh-TW" sz="2400" dirty="0" smtClean="0">
+              <a:rPr lang="en-US" altLang="zh-TW" sz="2400" dirty="0">
                 <a:ea typeface="新細明體" charset="-120"/>
               </a:rPr>
               <a:t> split</a:t>
             </a:r>
-            <a:endParaRPr lang="en-US" altLang="zh-TW" sz="2400" dirty="0">
-              <a:ea typeface="新細明體" charset="-120"/>
-            </a:endParaRPr>
           </a:p>
           <a:p>
             <a:pPr marL="228600" lvl="1">
@@ -9255,7 +9248,7 @@
               <a:rPr kumimoji="0" lang="en-US" altLang="zh-TW" sz="1400">
                 <a:latin typeface="Arial" panose="020B0604020202020204" pitchFamily="34" charset="0"/>
               </a:rPr>
-              <a:t>Big Data Mining &amp; Applications, Fall 2023</a:t>
+              <a:t>Big Data Mining &amp; Applications, Fall 2024</a:t>
             </a:r>
           </a:p>
         </p:txBody>
@@ -9673,7 +9666,7 @@
           <a:lstStyle/>
           <a:p>
             <a:r>
-              <a:rPr lang="en-US" altLang="zh-TW" sz="2400"/>
+              <a:rPr lang="en-US" altLang="zh-TW" sz="2400" dirty="0"/>
               <a:t>For implementation projects, please submit a compressed file containing:</a:t>
             </a:r>
           </a:p>
@@ -9683,14 +9676,14 @@
               <a:buChar char="•"/>
             </a:pPr>
             <a:r>
-              <a:rPr lang="en-US" altLang="zh-TW" sz="1600"/>
+              <a:rPr lang="en-US" altLang="zh-TW" sz="1600" dirty="0"/>
               <a:t>A document showing your environment setup</a:t>
             </a:r>
           </a:p>
           <a:p>
             <a:pPr lvl="2"/>
             <a:r>
-              <a:rPr lang="en-US" altLang="zh-TW" sz="1600"/>
+              <a:rPr lang="en-US" altLang="zh-TW" sz="1600" dirty="0"/>
               <a:t>PCs/VMs, platform spec, CPU cores, memory size, …</a:t>
             </a:r>
           </a:p>
@@ -9700,11 +9693,11 @@
               <a:buChar char="•"/>
             </a:pPr>
             <a:r>
-              <a:rPr lang="en-US" altLang="zh-TW" sz="1600"/>
+              <a:rPr lang="en-US" altLang="zh-TW" sz="1600" dirty="0"/>
               <a:t>Your </a:t>
             </a:r>
             <a:r>
-              <a:rPr lang="en-US" altLang="zh-TW" sz="1600">
+              <a:rPr lang="en-US" altLang="zh-TW" sz="1600" dirty="0">
                 <a:solidFill>
                   <a:srgbClr val="FF0000"/>
                 </a:solidFill>
@@ -9718,7 +9711,7 @@
               <a:buChar char="•"/>
             </a:pPr>
             <a:r>
-              <a:rPr lang="en-US" altLang="zh-TW" sz="1600">
+              <a:rPr lang="en-US" altLang="zh-TW" sz="1600" dirty="0">
                 <a:solidFill>
                   <a:srgbClr val="FF0000"/>
                 </a:solidFill>
@@ -9726,7 +9719,7 @@
               <a:t>The generated output</a:t>
             </a:r>
             <a:r>
-              <a:rPr lang="en-US" altLang="zh-TW" sz="1600"/>
+              <a:rPr lang="en-US" altLang="zh-TW" sz="1600" dirty="0"/>
               <a:t> (or snapshots)</a:t>
             </a:r>
           </a:p>
@@ -9736,7 +9729,7 @@
               <a:buChar char="•"/>
             </a:pPr>
             <a:r>
-              <a:rPr lang="en-US" altLang="zh-TW" sz="1600">
+              <a:rPr lang="en-US" altLang="zh-TW" sz="1600" dirty="0">
                 <a:solidFill>
                   <a:srgbClr val="FF0000"/>
                 </a:solidFill>
@@ -9744,7 +9737,7 @@
               <a:t>Documentation</a:t>
             </a:r>
             <a:r>
-              <a:rPr lang="en-US" altLang="zh-TW" sz="1600"/>
+              <a:rPr lang="en-US" altLang="zh-TW" sz="1600" dirty="0"/>
               <a:t> on how to compile, install, or configure the environment</a:t>
             </a:r>
           </a:p>
@@ -9754,11 +9747,11 @@
               <a:buChar char="•"/>
             </a:pPr>
             <a:r>
-              <a:rPr lang="en-US" altLang="zh-TW" sz="1600"/>
+              <a:rPr lang="en-US" altLang="zh-TW" sz="1600" dirty="0"/>
               <a:t>Remember to specify </a:t>
             </a:r>
             <a:r>
-              <a:rPr lang="en-US" altLang="zh-TW" sz="1600" b="1">
+              <a:rPr lang="en-US" altLang="zh-TW" sz="1600" b="1" dirty="0">
                 <a:solidFill>
                   <a:srgbClr val="0000FF"/>
                 </a:solidFill>
@@ -9766,7 +9759,7 @@
               <a:t>your name, student ID and your department </a:t>
             </a:r>
             <a:r>
-              <a:rPr lang="en-US" altLang="zh-TW" sz="1600"/>
+              <a:rPr lang="en-US" altLang="zh-TW" sz="1600" dirty="0"/>
               <a:t>in the documentation</a:t>
             </a:r>
           </a:p>
@@ -9776,7 +9769,7 @@
               <a:buChar char="•"/>
             </a:pPr>
             <a:r>
-              <a:rPr lang="en-US" altLang="zh-TW" sz="1600">
+              <a:rPr lang="en-US" altLang="zh-TW" sz="1600" dirty="0">
                 <a:solidFill>
                   <a:srgbClr val="FF0000"/>
                 </a:solidFill>
@@ -9784,8 +9777,8 @@
               <a:t>Team members list</a:t>
             </a:r>
             <a:r>
-              <a:rPr lang="en-US" altLang="zh-TW" sz="1600"/>
-              <a:t>: The names and the responsible parts of each individual member *should* be clearly identified.</a:t>
+              <a:rPr lang="en-US" altLang="zh-TW" sz="1600" dirty="0"/>
+              <a:t>: The names and the responsible parts of each individual member *should* be clearly identified</a:t>
             </a:r>
           </a:p>
           <a:p>
@@ -9793,23 +9786,23 @@
               <a:buFont typeface="Arial" panose="020B0604020202020204" pitchFamily="34" charset="0"/>
               <a:buChar char="•"/>
             </a:pPr>
-            <a:endParaRPr lang="en-US" altLang="zh-TW" sz="2000"/>
-          </a:p>
-          <a:p>
-            <a:r>
-              <a:rPr lang="en-US" altLang="zh-TW" sz="2400"/>
+            <a:endParaRPr lang="en-US" altLang="zh-TW" sz="2000" dirty="0"/>
+          </a:p>
+          <a:p>
+            <a:r>
+              <a:rPr lang="en-US" altLang="zh-TW" sz="2400" dirty="0"/>
               <a:t>Due: 2 weeks (</a:t>
             </a:r>
             <a:r>
-              <a:rPr lang="en-US" altLang="zh-TW" sz="2400">
+              <a:rPr lang="en-US" altLang="zh-TW" sz="2400" dirty="0">
                 <a:solidFill>
                   <a:srgbClr val="FF0000"/>
                 </a:solidFill>
               </a:rPr>
-              <a:t>Dec. 7, 2023</a:t>
-            </a:r>
-            <a:r>
-              <a:rPr lang="en-US" altLang="zh-TW" sz="2400"/>
+              <a:t>Dec. 4, 2024</a:t>
+            </a:r>
+            <a:r>
+              <a:rPr lang="en-US" altLang="zh-TW" sz="2400" dirty="0"/>
               <a:t>)</a:t>
             </a:r>
           </a:p>
@@ -9973,7 +9966,7 @@
               <a:rPr kumimoji="0" lang="en-US" altLang="zh-TW" sz="1400">
                 <a:latin typeface="Arial" panose="020B0604020202020204" pitchFamily="34" charset="0"/>
               </a:rPr>
-              <a:t>Big Data Mining &amp; Applications, Fall 2023</a:t>
+              <a:t>Big Data Mining &amp; Applications, Fall 2024</a:t>
             </a:r>
           </a:p>
         </p:txBody>
@@ -10391,30 +10384,38 @@
           <a:lstStyle/>
           <a:p>
             <a:r>
-              <a:rPr lang="en-US" altLang="zh-TW" sz="2400"/>
+              <a:rPr lang="en-US" altLang="zh-TW" sz="2400" dirty="0"/>
               <a:t>Programs or projects in electronic files must be submitted directly to the TA online at </a:t>
             </a:r>
             <a:r>
-              <a:rPr lang="en-US" altLang="zh-TW" sz="2400">
+              <a:rPr lang="en-US" altLang="zh-TW" sz="2400" dirty="0" err="1">
                 <a:solidFill>
                   <a:srgbClr val="0000FF"/>
                 </a:solidFill>
               </a:rPr>
-              <a:t>iSchool+</a:t>
-            </a:r>
-            <a:r>
-              <a:rPr lang="en-US" altLang="zh-TW" sz="2400"/>
+              <a:t>iSchool</a:t>
+            </a:r>
+            <a:r>
+              <a:rPr lang="en-US" altLang="zh-TW" sz="2400" dirty="0">
+                <a:solidFill>
+                  <a:srgbClr val="0000FF"/>
+                </a:solidFill>
+              </a:rPr>
+              <a:t>+</a:t>
+            </a:r>
+            <a:r>
+              <a:rPr lang="en-US" altLang="zh-TW" sz="2400" dirty="0"/>
               <a:t>  </a:t>
             </a:r>
           </a:p>
           <a:p>
             <a:r>
-              <a:rPr lang="en-US" altLang="zh-TW" sz="2400"/>
+              <a:rPr lang="en-US" altLang="zh-TW" sz="2400" dirty="0"/>
               <a:t>If you cannot successfully submit your work, please contact with the TA or the instructor</a:t>
             </a:r>
           </a:p>
           <a:p>
-            <a:endParaRPr lang="en-US" altLang="zh-TW" sz="2000"/>
+            <a:endParaRPr lang="en-US" altLang="zh-TW" sz="2000" dirty="0"/>
           </a:p>
         </p:txBody>
       </p:sp>
@@ -10576,7 +10577,7 @@
               <a:rPr kumimoji="0" lang="en-US" altLang="zh-TW" sz="1400">
                 <a:latin typeface="Arial" panose="020B0604020202020204" pitchFamily="34" charset="0"/>
               </a:rPr>
-              <a:t>Big Data Mining &amp; Applications, Fall 2023</a:t>
+              <a:t>Big Data Mining &amp; Applications, Fall 2024</a:t>
             </a:r>
           </a:p>
         </p:txBody>
@@ -11016,13 +11017,8 @@
             </a:r>
             <a:r>
               <a:rPr lang="en-US" altLang="zh-TW" sz="2000" dirty="0"/>
-              <a:t> of </a:t>
-            </a:r>
-            <a:r>
-              <a:rPr lang="en-US" altLang="zh-TW" sz="2000" dirty="0" smtClean="0"/>
-              <a:t>output </a:t>
-            </a:r>
-            <a:endParaRPr lang="en-US" altLang="zh-TW" sz="2000" dirty="0"/>
+              <a:t> of output </a:t>
+            </a:r>
           </a:p>
           <a:p>
             <a:pPr lvl="1">
@@ -11239,7 +11235,7 @@
               <a:rPr kumimoji="0" lang="en-US" altLang="zh-TW" sz="1400">
                 <a:latin typeface="Arial" panose="020B0604020202020204" pitchFamily="34" charset="0"/>
               </a:rPr>
-              <a:t>Big Data Mining &amp; Applications, Fall 2023</a:t>
+              <a:t>Big Data Mining &amp; Applications, Fall 2024</a:t>
             </a:r>
           </a:p>
         </p:txBody>
@@ -11931,7 +11927,7 @@
               <a:rPr kumimoji="0" lang="en-US" altLang="zh-TW" sz="1400">
                 <a:latin typeface="Arial" panose="020B0604020202020204" pitchFamily="34" charset="0"/>
               </a:rPr>
-              <a:t>Big Data Mining &amp; Applications, Fall 2023</a:t>
+              <a:t>Big Data Mining &amp; Applications, Fall 2024</a:t>
             </a:r>
           </a:p>
         </p:txBody>
@@ -12460,7 +12456,7 @@
               <a:rPr kumimoji="0" lang="en-US" altLang="zh-TW" sz="1400">
                 <a:latin typeface="Arial" panose="020B0604020202020204" pitchFamily="34" charset="0"/>
               </a:rPr>
-              <a:t>Big Data Mining &amp; Applications, Fall 2023</a:t>
+              <a:t>Big Data Mining &amp; Applications, Fall 2024</a:t>
             </a:r>
           </a:p>
         </p:txBody>
@@ -13007,7 +13003,7 @@
               <a:rPr kumimoji="0" lang="en-US" altLang="zh-TW" sz="1400">
                 <a:latin typeface="Arial" panose="020B0604020202020204" pitchFamily="34" charset="0"/>
               </a:rPr>
-              <a:t>Big Data Mining &amp; Applications, Fall 2023</a:t>
+              <a:t>Big Data Mining &amp; Applications, Fall 2024</a:t>
             </a:r>
           </a:p>
         </p:txBody>
@@ -13370,8 +13366,8 @@
           <a:p>
             <a:pPr algn="l" eaLnBrk="1" hangingPunct="1"/>
             <a:r>
-              <a:rPr lang="en-US" altLang="zh-TW" sz="3200"/>
-              <a:t>Programming Exercise: Finding Similar Documents using LSH</a:t>
+              <a:rPr lang="en-US" altLang="zh-TW" sz="3200" dirty="0"/>
+              <a:t>Programming Exercise #3: Finding Similar Documents using LSH</a:t>
             </a:r>
           </a:p>
         </p:txBody>
@@ -13402,8 +13398,8 @@
               </a:lnSpc>
             </a:pPr>
             <a:r>
-              <a:rPr lang="en-US" altLang="zh-TW" sz="2400"/>
-              <a:t>Goal: To find similar documents using </a:t>
+              <a:rPr lang="en-US" altLang="zh-TW" sz="2400" dirty="0"/>
+              <a:t>Goal: To find similar documents using LSH</a:t>
             </a:r>
           </a:p>
           <a:p>
@@ -13412,7 +13408,7 @@
                 <a:spcPct val="80000"/>
               </a:lnSpc>
             </a:pPr>
-            <a:endParaRPr lang="en-US" altLang="zh-TW" sz="2000"/>
+            <a:endParaRPr lang="en-US" altLang="zh-TW" sz="2000" dirty="0"/>
           </a:p>
           <a:p>
             <a:pPr lvl="1" indent="-342900" eaLnBrk="1" hangingPunct="1">
@@ -13423,11 +13419,11 @@
               <a:buChar char="•"/>
             </a:pPr>
             <a:r>
-              <a:rPr lang="en-US" altLang="zh-TW" sz="2000"/>
+              <a:rPr lang="en-US" altLang="zh-TW" sz="2000" dirty="0"/>
               <a:t>Either MapReduce on </a:t>
             </a:r>
             <a:r>
-              <a:rPr lang="en-US" altLang="zh-TW" sz="2000">
+              <a:rPr lang="en-US" altLang="zh-TW" sz="2000" dirty="0">
                 <a:solidFill>
                   <a:srgbClr val="0000FF"/>
                 </a:solidFill>
@@ -13435,7 +13431,7 @@
               <a:t>multi-node</a:t>
             </a:r>
             <a:r>
-              <a:rPr lang="en-US" altLang="zh-TW" sz="2000"/>
+              <a:rPr lang="en-US" altLang="zh-TW" sz="2000" dirty="0"/>
               <a:t> Spark (for CS students)</a:t>
             </a:r>
           </a:p>
@@ -13448,8 +13444,16 @@
               <a:buChar char="•"/>
             </a:pPr>
             <a:r>
-              <a:rPr lang="en-US" altLang="zh-TW" sz="2000"/>
-              <a:t>or Python in Jupyter Notebook (for others)</a:t>
+              <a:rPr lang="en-US" altLang="zh-TW" sz="2000" dirty="0"/>
+              <a:t>or Python in </a:t>
+            </a:r>
+            <a:r>
+              <a:rPr lang="en-US" altLang="zh-TW" sz="2000" dirty="0" err="1"/>
+              <a:t>Jupyter</a:t>
+            </a:r>
+            <a:r>
+              <a:rPr lang="en-US" altLang="zh-TW" sz="2000" dirty="0"/>
+              <a:t> Notebook (for others)</a:t>
             </a:r>
           </a:p>
           <a:p>
@@ -13458,7 +13462,7 @@
                 <a:spcPct val="80000"/>
               </a:lnSpc>
             </a:pPr>
-            <a:endParaRPr lang="en-US" altLang="zh-TW" sz="2000"/>
+            <a:endParaRPr lang="en-US" altLang="zh-TW" sz="2000" dirty="0"/>
           </a:p>
           <a:p>
             <a:pPr eaLnBrk="1" hangingPunct="1">
@@ -13467,7 +13471,7 @@
               </a:lnSpc>
             </a:pPr>
             <a:r>
-              <a:rPr lang="en-US" altLang="zh-TW" sz="2400"/>
+              <a:rPr lang="en-US" altLang="zh-TW" sz="2400" dirty="0"/>
               <a:t>Input: Text data represented as vectors (to be detailed later)</a:t>
             </a:r>
           </a:p>
@@ -13477,7 +13481,7 @@
                 <a:spcPct val="80000"/>
               </a:lnSpc>
             </a:pPr>
-            <a:endParaRPr lang="en-US" altLang="zh-TW" sz="2400"/>
+            <a:endParaRPr lang="en-US" altLang="zh-TW" sz="2400" dirty="0"/>
           </a:p>
           <a:p>
             <a:pPr eaLnBrk="1" hangingPunct="1">
@@ -13486,7 +13490,7 @@
               </a:lnSpc>
             </a:pPr>
             <a:r>
-              <a:rPr lang="en-US" altLang="zh-TW" sz="2400"/>
+              <a:rPr lang="en-US" altLang="zh-TW" sz="2400" dirty="0"/>
               <a:t>Output: Candidate pairs for similar documents (to be detailed later)</a:t>
             </a:r>
           </a:p>
@@ -13675,7 +13679,7 @@
               <a:rPr kumimoji="0" lang="en-US" altLang="zh-TW" sz="1400">
                 <a:latin typeface="Arial" panose="020B0604020202020204" pitchFamily="34" charset="0"/>
               </a:rPr>
-              <a:t>Big Data Mining &amp; Applications, Fall 2023</a:t>
+              <a:t>Big Data Mining &amp; Applications, Fall 2024</a:t>
             </a:r>
           </a:p>
         </p:txBody>
@@ -14060,7 +14064,7 @@
           <a:lstStyle/>
           <a:p>
             <a:r>
-              <a:rPr lang="en-US" altLang="zh-TW" sz="2000"/>
+              <a:rPr lang="en-US" altLang="zh-TW" sz="2000" dirty="0"/>
               <a:t>Data: </a:t>
             </a:r>
           </a:p>
@@ -14070,16 +14074,16 @@
               <a:buChar char="•"/>
             </a:pPr>
             <a:r>
-              <a:rPr lang="en-US" altLang="zh-TW" sz="1800"/>
+              <a:rPr lang="en-US" altLang="zh-TW" sz="1800" dirty="0"/>
               <a:t>[</a:t>
             </a:r>
             <a:r>
-              <a:rPr lang="en-US" altLang="zh-TW" sz="1800" b="1"/>
+              <a:rPr lang="en-US" altLang="zh-TW" sz="1800" b="1" dirty="0"/>
               <a:t>Reuters-21578 Text Categorization Collection Dataset</a:t>
             </a:r>
             <a:r>
-              <a:rPr lang="en-US" altLang="zh-TW" sz="1800"/>
-              <a:t>] from UCI Machine Learning Repository (7MB (compressed) in size)</a:t>
+              <a:rPr lang="en-US" altLang="zh-TW" sz="1800" dirty="0"/>
+              <a:t>] from UCI Machine Learning Repository (7MB compressed in size)</a:t>
             </a:r>
           </a:p>
           <a:p>
@@ -14088,7 +14092,7 @@
               <a:buChar char="•"/>
             </a:pPr>
             <a:r>
-              <a:rPr lang="en-US" altLang="zh-TW" sz="1800"/>
+              <a:rPr lang="en-US" altLang="zh-TW" sz="1800" dirty="0"/>
               <a:t>It contains 21,578 news articles from Reuters in 1987</a:t>
             </a:r>
           </a:p>
@@ -14098,31 +14102,31 @@
               <a:buChar char="•"/>
             </a:pPr>
             <a:r>
-              <a:rPr lang="en-US" altLang="zh-TW" sz="1800"/>
+              <a:rPr lang="en-US" altLang="zh-TW" sz="1800" dirty="0"/>
               <a:t>Available at:</a:t>
             </a:r>
             <a:r>
-              <a:rPr lang="zh-TW" altLang="en-US" sz="1800"/>
+              <a:rPr lang="zh-TW" altLang="en-US" sz="1800" dirty="0"/>
               <a:t> </a:t>
             </a:r>
             <a:r>
-              <a:rPr lang="en-SG" altLang="zh-TW" sz="1800">
+              <a:rPr lang="en-SG" altLang="zh-TW" sz="1800" dirty="0">
                 <a:hlinkClick r:id="rId3"/>
               </a:rPr>
               <a:t>https://archive.ics.uci.edu/dataset/137/reuters+21578+text+categorization+collection</a:t>
             </a:r>
-            <a:endParaRPr lang="en-SG" altLang="zh-TW" sz="1800"/>
+            <a:endParaRPr lang="en-SG" altLang="zh-TW" sz="1800" dirty="0"/>
           </a:p>
           <a:p>
             <a:pPr lvl="1">
               <a:buFont typeface="Arial" panose="020B0604020202020204" pitchFamily="34" charset="0"/>
               <a:buChar char="•"/>
             </a:pPr>
-            <a:endParaRPr lang="en-US" altLang="zh-TW" sz="1800"/>
-          </a:p>
-          <a:p>
-            <a:r>
-              <a:rPr lang="en-US" altLang="zh-TW" sz="2000"/>
+            <a:endParaRPr lang="en-US" altLang="zh-TW" sz="1800" dirty="0"/>
+          </a:p>
+          <a:p>
+            <a:r>
+              <a:rPr lang="en-US" altLang="zh-TW" sz="2000" dirty="0"/>
               <a:t>Format:</a:t>
             </a:r>
           </a:p>
@@ -14132,7 +14136,7 @@
               <a:buChar char="•"/>
             </a:pPr>
             <a:r>
-              <a:rPr lang="en-US" altLang="zh-TW" sz="1800"/>
+              <a:rPr lang="en-US" altLang="zh-TW" sz="1800" dirty="0"/>
               <a:t>News: 21 SGML files</a:t>
             </a:r>
           </a:p>
@@ -14142,8 +14146,20 @@
               <a:buChar char="•"/>
             </a:pPr>
             <a:r>
-              <a:rPr lang="en-US" altLang="zh-TW" sz="1400"/>
-              <a:t>We only deal with news contents inside &lt;body&gt; &lt;/body&gt; tags</a:t>
+              <a:rPr lang="en-US" altLang="zh-TW" sz="1400" dirty="0"/>
+              <a:t>We only deal with news </a:t>
+            </a:r>
+            <a:r>
+              <a:rPr lang="en-US" altLang="zh-TW" sz="1400" dirty="0">
+                <a:solidFill>
+                  <a:srgbClr val="FF0000"/>
+                </a:solidFill>
+              </a:rPr>
+              <a:t>contents</a:t>
+            </a:r>
+            <a:r>
+              <a:rPr lang="en-US" altLang="zh-TW" sz="1400" dirty="0"/>
+              <a:t> inside &lt;body&gt; &lt;/body&gt; tags</a:t>
             </a:r>
           </a:p>
           <a:p>
@@ -14152,7 +14168,7 @@
               <a:buChar char="•"/>
             </a:pPr>
             <a:r>
-              <a:rPr lang="en-US" altLang="zh-TW" sz="1800"/>
+              <a:rPr lang="en-US" altLang="zh-TW" sz="1800" dirty="0"/>
               <a:t>The other files will not be needed in this homework</a:t>
             </a:r>
             <a:endParaRPr lang="zh-TW" altLang="en-US" sz="1800" dirty="0"/>
@@ -14342,7 +14358,7 @@
               <a:rPr kumimoji="0" lang="en-US" altLang="zh-TW" sz="1400">
                 <a:latin typeface="Arial" panose="020B0604020202020204" pitchFamily="34" charset="0"/>
               </a:rPr>
-              <a:t>Big Data Mining &amp; Applications, Fall 2023</a:t>
+              <a:t>Big Data Mining &amp; Applications, Fall 2024</a:t>
             </a:r>
           </a:p>
         </p:txBody>
@@ -14735,7 +14751,7 @@
               <a:buAutoNum type="arabicPeriod"/>
             </a:pPr>
             <a:r>
-              <a:rPr lang="en-US" sz="2000" b="1" i="1">
+              <a:rPr lang="en-US" sz="2000" b="1" i="1" dirty="0">
                 <a:solidFill>
                   <a:srgbClr val="FF0066"/>
                 </a:solidFill>
@@ -14743,7 +14759,7 @@
               <a:t>Shingling:</a:t>
             </a:r>
             <a:r>
-              <a:rPr lang="en-US" sz="2000"/>
+              <a:rPr lang="en-US" sz="2000" dirty="0"/>
               <a:t> Converts a document into a set representation (Boolean vector)</a:t>
             </a:r>
           </a:p>
@@ -14755,7 +14771,7 @@
               <a:buFont typeface="+mj-lt"/>
               <a:buAutoNum type="arabicPeriod"/>
             </a:pPr>
-            <a:endParaRPr lang="en-US"/>
+            <a:endParaRPr lang="en-US" dirty="0"/>
           </a:p>
           <a:p>
             <a:pPr marL="514350" indent="-514350">
@@ -14766,7 +14782,7 @@
               <a:buAutoNum type="arabicPeriod"/>
             </a:pPr>
             <a:r>
-              <a:rPr lang="en-US" sz="2000" b="1" i="1">
+              <a:rPr lang="en-US" sz="2000" b="1" i="1" dirty="0">
                 <a:solidFill>
                   <a:srgbClr val="FF0066"/>
                 </a:solidFill>
@@ -14774,7 +14790,7 @@
               <a:t>Min-Hashing:</a:t>
             </a:r>
             <a:r>
-              <a:rPr lang="en-US" sz="2000"/>
+              <a:rPr lang="en-US" sz="2000" dirty="0"/>
               <a:t> Convert large sets to short signatures, while preserving similarity</a:t>
             </a:r>
           </a:p>
@@ -14786,7 +14802,7 @@
               <a:buFont typeface="+mj-lt"/>
               <a:buAutoNum type="arabicPeriod"/>
             </a:pPr>
-            <a:endParaRPr lang="en-US"/>
+            <a:endParaRPr lang="en-US" dirty="0"/>
           </a:p>
           <a:p>
             <a:pPr marL="609600" indent="-609600">
@@ -14797,7 +14813,7 @@
               <a:buAutoNum type="arabicPeriod"/>
             </a:pPr>
             <a:r>
-              <a:rPr lang="en-US" sz="2000" b="1" i="1">
+              <a:rPr lang="en-US" sz="2000" b="1" i="1" dirty="0">
                 <a:solidFill>
                   <a:srgbClr val="FF0066"/>
                 </a:solidFill>
@@ -14805,23 +14821,20 @@
               <a:t>Locality-Sensitive Hashing:</a:t>
             </a:r>
             <a:r>
-              <a:rPr lang="en-US" sz="2000"/>
+              <a:rPr lang="en-US" sz="2000" dirty="0"/>
               <a:t> Focus on </a:t>
             </a:r>
             <a:br>
-              <a:rPr lang="en-US" sz="2000"/>
+              <a:rPr lang="en-US" sz="2000" dirty="0"/>
             </a:br>
             <a:r>
-              <a:rPr lang="en-US" sz="2000"/>
-              <a:t>pairs of signatures likely to be from </a:t>
+              <a:rPr lang="en-US" sz="2000" dirty="0"/>
+              <a:t>pairs of signatures likely to be from similar documents</a:t>
             </a:r>
             <a:br>
-              <a:rPr lang="en-US" sz="2000"/>
+              <a:rPr lang="en-US" sz="2000" dirty="0"/>
             </a:br>
-            <a:r>
-              <a:rPr lang="en-US" sz="2000"/>
-              <a:t>similar documents</a:t>
-            </a:r>
+            <a:endParaRPr lang="en-US" sz="2000" dirty="0"/>
           </a:p>
           <a:p>
             <a:pPr marL="978408" lvl="2" indent="-285750">
@@ -14830,18 +14843,13 @@
               </a:buClr>
             </a:pPr>
             <a:r>
-              <a:rPr lang="en-US" sz="1600" b="1">
+              <a:rPr lang="en-US" sz="1600" b="1" dirty="0">
                 <a:solidFill>
                   <a:srgbClr val="0000FF"/>
                 </a:solidFill>
               </a:rPr>
               <a:t>Candidate pairs!</a:t>
             </a:r>
-            <a:endParaRPr lang="en-US" sz="1600" b="1" dirty="0">
-              <a:solidFill>
-                <a:srgbClr val="0000FF"/>
-              </a:solidFill>
-            </a:endParaRPr>
           </a:p>
         </p:txBody>
       </p:sp>
@@ -15033,7 +15041,7 @@
               <a:rPr kumimoji="0" lang="en-US" altLang="zh-TW" sz="1400">
                 <a:latin typeface="Arial" panose="020B0604020202020204" pitchFamily="34" charset="0"/>
               </a:rPr>
-              <a:t>Big Data Mining &amp; Applications, Fall 2023</a:t>
+              <a:t>Big Data Mining &amp; Applications, Fall 2024</a:t>
             </a:r>
           </a:p>
         </p:txBody>
@@ -17695,7 +17703,7 @@
           <a:lstStyle/>
           <a:p>
             <a:r>
-              <a:rPr lang="en-US" altLang="zh-TW" sz="2400"/>
+              <a:rPr lang="en-US" altLang="zh-TW" sz="2400" dirty="0"/>
               <a:t>3 Subtasks + 2 Optional</a:t>
             </a:r>
           </a:p>
@@ -17705,19 +17713,19 @@
               <a:buChar char="•"/>
             </a:pPr>
             <a:r>
-              <a:rPr lang="en-US" altLang="zh-TW" sz="1600"/>
+              <a:rPr lang="en-US" altLang="zh-TW" sz="1600" dirty="0"/>
               <a:t>(</a:t>
             </a:r>
             <a:r>
-              <a:rPr lang="en-US" altLang="zh-TW" sz="1800" b="1"/>
+              <a:rPr lang="en-US" altLang="zh-TW" sz="1800" b="1" dirty="0"/>
               <a:t>30pt</a:t>
             </a:r>
             <a:r>
-              <a:rPr lang="en-US" altLang="zh-TW" sz="1800"/>
+              <a:rPr lang="en-US" altLang="zh-TW" sz="1800" dirty="0"/>
               <a:t>) (1) Given the Reuters-21578 dataset, please calculate </a:t>
             </a:r>
             <a:r>
-              <a:rPr lang="en-US" altLang="zh-TW" sz="1800">
+              <a:rPr lang="en-US" altLang="zh-TW" sz="1800" dirty="0">
                 <a:solidFill>
                   <a:srgbClr val="FF0000"/>
                 </a:solidFill>
@@ -17725,7 +17733,7 @@
               <a:t>all k-shingles</a:t>
             </a:r>
             <a:r>
-              <a:rPr lang="en-US" altLang="zh-TW" sz="1800"/>
+              <a:rPr lang="en-US" altLang="zh-TW" sz="1800" dirty="0"/>
               <a:t> and output the set representation of the text dataset as a matrix.</a:t>
             </a:r>
           </a:p>
@@ -17735,27 +17743,35 @@
               <a:buChar char="•"/>
             </a:pPr>
             <a:r>
-              <a:rPr lang="en-US" altLang="zh-TW" sz="1800"/>
+              <a:rPr lang="en-US" altLang="zh-TW" sz="1800" dirty="0"/>
               <a:t>(</a:t>
             </a:r>
             <a:r>
-              <a:rPr lang="en-US" altLang="zh-TW" sz="1800" b="1"/>
+              <a:rPr lang="en-US" altLang="zh-TW" sz="1800" b="1" dirty="0"/>
               <a:t>30pt</a:t>
             </a:r>
             <a:r>
-              <a:rPr lang="en-US" altLang="zh-TW" sz="1800"/>
+              <a:rPr lang="en-US" altLang="zh-TW" sz="1800" dirty="0"/>
               <a:t>) (2) Given the set representation, compute the </a:t>
             </a:r>
             <a:r>
-              <a:rPr lang="en-US" altLang="zh-TW" sz="1800">
+              <a:rPr lang="en-US" altLang="zh-TW" sz="1800" dirty="0" err="1">
                 <a:solidFill>
                   <a:srgbClr val="FF0000"/>
                 </a:solidFill>
               </a:rPr>
-              <a:t>minhash signatures </a:t>
-            </a:r>
-            <a:r>
-              <a:rPr lang="en-US" altLang="zh-TW" sz="1800"/>
+              <a:t>minhash</a:t>
+            </a:r>
+            <a:r>
+              <a:rPr lang="en-US" altLang="zh-TW" sz="1800" dirty="0">
+                <a:solidFill>
+                  <a:srgbClr val="FF0000"/>
+                </a:solidFill>
+              </a:rPr>
+              <a:t> signatures </a:t>
+            </a:r>
+            <a:r>
+              <a:rPr lang="en-US" altLang="zh-TW" sz="1800" dirty="0"/>
               <a:t>of all documents.</a:t>
             </a:r>
           </a:p>
@@ -17765,19 +17781,19 @@
               <a:buChar char="•"/>
             </a:pPr>
             <a:r>
-              <a:rPr lang="en-US" altLang="zh-TW" sz="1800"/>
+              <a:rPr lang="en-US" altLang="zh-TW" sz="1800" dirty="0"/>
               <a:t>(</a:t>
             </a:r>
             <a:r>
-              <a:rPr lang="en-US" altLang="zh-TW" sz="1800" b="1"/>
+              <a:rPr lang="en-US" altLang="zh-TW" sz="1800" b="1" dirty="0"/>
               <a:t>40pt</a:t>
             </a:r>
             <a:r>
-              <a:rPr lang="en-US" altLang="zh-TW" sz="1800"/>
+              <a:rPr lang="en-US" altLang="zh-TW" sz="1800" dirty="0"/>
               <a:t>) (3) Implement the LSH algorithm and output the resulting </a:t>
             </a:r>
             <a:r>
-              <a:rPr lang="en-US" altLang="zh-TW" sz="1800">
+              <a:rPr lang="en-US" altLang="zh-TW" sz="1800" dirty="0">
                 <a:solidFill>
                   <a:srgbClr val="FF0000"/>
                 </a:solidFill>
@@ -17785,7 +17801,7 @@
               <a:t>candidate pairs</a:t>
             </a:r>
             <a:r>
-              <a:rPr lang="en-US" altLang="zh-TW" sz="1800">
+              <a:rPr lang="en-US" altLang="zh-TW" sz="1800" dirty="0">
                 <a:solidFill>
                   <a:srgbClr val="0000FF"/>
                 </a:solidFill>
@@ -17793,7 +17809,7 @@
               <a:t> </a:t>
             </a:r>
             <a:r>
-              <a:rPr lang="en-US" altLang="zh-TW" sz="1800"/>
+              <a:rPr lang="en-US" altLang="zh-TW" sz="1800" dirty="0"/>
               <a:t>of similar documents. </a:t>
             </a:r>
           </a:p>
@@ -17803,7 +17819,7 @@
               <a:buChar char="•"/>
             </a:pPr>
             <a:r>
-              <a:rPr lang="en-US" altLang="zh-TW" sz="1800">
+              <a:rPr lang="en-US" altLang="zh-TW" sz="1800" dirty="0">
                 <a:solidFill>
                   <a:srgbClr val="0000FF"/>
                 </a:solidFill>
@@ -17811,16 +17827,16 @@
               <a:t>[Optional</a:t>
             </a:r>
             <a:r>
-              <a:rPr lang="en-US" altLang="zh-TW" sz="1800"/>
+              <a:rPr lang="en-US" altLang="zh-TW" sz="1800" dirty="0"/>
               <a:t>] (</a:t>
             </a:r>
             <a:r>
-              <a:rPr lang="en-US" altLang="zh-TW" sz="1800" b="1"/>
+              <a:rPr lang="en-US" altLang="zh-TW" sz="1800" b="1" dirty="0"/>
               <a:t>20pt</a:t>
             </a:r>
             <a:r>
-              <a:rPr lang="en-US" altLang="zh-TW" sz="1800"/>
-              <a:t>) (4) Evaluate the performance (effectiveness, efficiency) of LSH by calculating metrics using ground truth of class labels in the test set.</a:t>
+              <a:rPr lang="en-US" altLang="zh-TW" sz="1800" dirty="0"/>
+              <a:t>) (4) Evaluate the classification performance (effectiveness, efficiency) of LSH by calculating metrics using ground truth of class labels in the test set.</a:t>
             </a:r>
           </a:p>
           <a:p>
@@ -17829,7 +17845,7 @@
               <a:buChar char="•"/>
             </a:pPr>
             <a:r>
-              <a:rPr lang="en-US" altLang="zh-TW" sz="1800">
+              <a:rPr lang="en-US" altLang="zh-TW" sz="1800" dirty="0">
                 <a:solidFill>
                   <a:srgbClr val="0000FF"/>
                 </a:solidFill>
@@ -17837,16 +17853,24 @@
               <a:t>[Optional</a:t>
             </a:r>
             <a:r>
-              <a:rPr lang="en-US" altLang="zh-TW" sz="1800"/>
+              <a:rPr lang="en-US" altLang="zh-TW" sz="1800" dirty="0"/>
               <a:t>] (</a:t>
             </a:r>
             <a:r>
-              <a:rPr lang="en-US" altLang="zh-TW" sz="1800" b="1"/>
+              <a:rPr lang="en-US" altLang="zh-TW" sz="1800" b="1" dirty="0"/>
               <a:t>20pt</a:t>
             </a:r>
             <a:r>
-              <a:rPr lang="en-US" altLang="zh-TW" sz="1800"/>
-              <a:t>) (5) Implement k-nearest neighbor (kNN) search using LSH and compare its performance with linear search.</a:t>
+              <a:rPr lang="en-US" altLang="zh-TW" sz="1800" dirty="0"/>
+              <a:t>) (5) Implement k-nearest neighbor (</a:t>
+            </a:r>
+            <a:r>
+              <a:rPr lang="en-US" altLang="zh-TW" sz="1800" dirty="0" err="1"/>
+              <a:t>kNN</a:t>
+            </a:r>
+            <a:r>
+              <a:rPr lang="en-US" altLang="zh-TW" sz="1800" dirty="0"/>
+              <a:t>) search using LSH and compare its performance with linear search.</a:t>
             </a:r>
           </a:p>
           <a:p>
@@ -17854,7 +17878,7 @@
               <a:buFont typeface="Arial" panose="020B0604020202020204" pitchFamily="34" charset="0"/>
               <a:buChar char="•"/>
             </a:pPr>
-            <a:endParaRPr lang="en-US" altLang="zh-TW" sz="1800"/>
+            <a:endParaRPr lang="en-US" altLang="zh-TW" sz="1800" dirty="0"/>
           </a:p>
           <a:p>
             <a:endParaRPr lang="zh-TW" altLang="en-US" sz="1800" dirty="0"/>
@@ -18019,7 +18043,7 @@
               <a:rPr kumimoji="0" lang="en-US" altLang="zh-TW" sz="1400">
                 <a:latin typeface="Arial" panose="020B0604020202020204" pitchFamily="34" charset="0"/>
               </a:rPr>
-              <a:t>Big Data Mining &amp; Applications, Fall 2023</a:t>
+              <a:t>Big Data Mining &amp; Applications, Fall 2024</a:t>
             </a:r>
           </a:p>
         </p:txBody>
@@ -18437,7 +18461,7 @@
           <a:lstStyle/>
           <a:p>
             <a:r>
-              <a:rPr lang="en-US" altLang="zh-TW" sz="1800"/>
+              <a:rPr lang="en-US" altLang="zh-TW" sz="1800" dirty="0"/>
               <a:t>(1) set representation:</a:t>
             </a:r>
           </a:p>
@@ -18447,14 +18471,30 @@
               <a:buChar char="•"/>
             </a:pPr>
             <a:r>
-              <a:rPr lang="en-US" altLang="zh-TW" sz="1800"/>
-              <a:t>A MxN matrix: with rows as shingles and columns as documents (N=21,578) </a:t>
-            </a:r>
-          </a:p>
-          <a:p>
-            <a:r>
-              <a:rPr lang="en-US" altLang="zh-TW" sz="1800"/>
-              <a:t>(2) minhash signatures:</a:t>
+              <a:rPr lang="en-US" altLang="zh-TW" sz="1800" dirty="0"/>
+              <a:t>A </a:t>
+            </a:r>
+            <a:r>
+              <a:rPr lang="en-US" altLang="zh-TW" sz="1800" dirty="0" err="1"/>
+              <a:t>MxN</a:t>
+            </a:r>
+            <a:r>
+              <a:rPr lang="en-US" altLang="zh-TW" sz="1800" dirty="0"/>
+              <a:t> matrix: with rows as shingles and columns as documents (N=21,578) </a:t>
+            </a:r>
+          </a:p>
+          <a:p>
+            <a:r>
+              <a:rPr lang="en-US" altLang="zh-TW" sz="1800" dirty="0"/>
+              <a:t>(2) </a:t>
+            </a:r>
+            <a:r>
+              <a:rPr lang="en-US" altLang="zh-TW" sz="1800" dirty="0" err="1"/>
+              <a:t>minhash</a:t>
+            </a:r>
+            <a:r>
+              <a:rPr lang="en-US" altLang="zh-TW" sz="1800" dirty="0"/>
+              <a:t> signatures:</a:t>
             </a:r>
           </a:p>
           <a:p>
@@ -18463,10 +18503,18 @@
               <a:buChar char="•"/>
             </a:pPr>
             <a:r>
-              <a:rPr lang="en-US" altLang="zh-TW" sz="1800"/>
-              <a:t>The HxN signature matrix: with H as the number of hash functions, and N=21,578</a:t>
-            </a:r>
-            <a:endParaRPr lang="en-US" altLang="zh-TW" sz="1800">
+              <a:rPr lang="en-US" altLang="zh-TW" sz="1800" dirty="0"/>
+              <a:t>The </a:t>
+            </a:r>
+            <a:r>
+              <a:rPr lang="en-US" altLang="zh-TW" sz="1800" dirty="0" err="1"/>
+              <a:t>HxN</a:t>
+            </a:r>
+            <a:r>
+              <a:rPr lang="en-US" altLang="zh-TW" sz="1800" dirty="0"/>
+              <a:t> signature matrix: with H as the number of hash functions, and N=21,578</a:t>
+            </a:r>
+            <a:endParaRPr lang="en-US" altLang="zh-TW" sz="1800" dirty="0">
               <a:solidFill>
                 <a:srgbClr val="FF0000"/>
               </a:solidFill>
@@ -18474,7 +18522,7 @@
           </a:p>
           <a:p>
             <a:r>
-              <a:rPr lang="en-US" altLang="zh-TW" sz="1800"/>
+              <a:rPr lang="en-US" altLang="zh-TW" sz="1800" dirty="0"/>
               <a:t>(3) candidate pairs:</a:t>
             </a:r>
           </a:p>
@@ -18484,11 +18532,11 @@
               <a:buChar char="•"/>
             </a:pPr>
             <a:r>
-              <a:rPr lang="en-US" altLang="zh-TW" sz="1800"/>
-              <a:t>Documents whose signature as columns in signature matrix are </a:t>
-            </a:r>
-            <a:r>
-              <a:rPr lang="en-US" altLang="zh-TW" sz="1800">
+              <a:rPr lang="en-US" altLang="zh-TW" sz="1800" dirty="0"/>
+              <a:t>Documents whose signatures as columns in signature matrix are </a:t>
+            </a:r>
+            <a:r>
+              <a:rPr lang="en-US" altLang="zh-TW" sz="1800" dirty="0">
                 <a:solidFill>
                   <a:srgbClr val="0000FF"/>
                 </a:solidFill>
@@ -18498,8 +18546,8 @@
           </a:p>
           <a:p>
             <a:r>
-              <a:rPr lang="en-US" altLang="zh-TW" sz="1800"/>
-              <a:t>(4) Evaluation of LSH:</a:t>
+              <a:rPr lang="en-US" altLang="zh-TW" sz="1800" dirty="0"/>
+              <a:t>(4) Evaluation of LSH for classification:</a:t>
             </a:r>
           </a:p>
           <a:p>
@@ -18508,7 +18556,7 @@
               <a:buChar char="•"/>
             </a:pPr>
             <a:r>
-              <a:rPr lang="en-US" altLang="zh-TW" sz="1800"/>
+              <a:rPr lang="en-US" altLang="zh-TW" sz="1800" dirty="0"/>
               <a:t>Metrics for effectiveness: TP, FP, TN, FN, accuracy, precision, recall, F1 score</a:t>
             </a:r>
           </a:p>
@@ -18518,14 +18566,22 @@
               <a:buChar char="•"/>
             </a:pPr>
             <a:r>
-              <a:rPr lang="en-US" altLang="zh-TW" sz="1800"/>
+              <a:rPr lang="en-US" altLang="zh-TW" sz="1800" dirty="0"/>
               <a:t>Metrics for efficiency: time</a:t>
             </a:r>
           </a:p>
           <a:p>
             <a:r>
-              <a:rPr lang="en-US" altLang="zh-TW" sz="1800"/>
-              <a:t>(5) comparison of kNN search and linear search</a:t>
+              <a:rPr lang="en-US" altLang="zh-TW" sz="1800" dirty="0"/>
+              <a:t>(5) comparison of </a:t>
+            </a:r>
+            <a:r>
+              <a:rPr lang="en-US" altLang="zh-TW" sz="1800" dirty="0" err="1"/>
+              <a:t>kNN</a:t>
+            </a:r>
+            <a:r>
+              <a:rPr lang="en-US" altLang="zh-TW" sz="1800" dirty="0"/>
+              <a:t> search and linear search</a:t>
             </a:r>
           </a:p>
           <a:p>
@@ -18692,7 +18748,7 @@
               <a:rPr kumimoji="0" lang="en-US" altLang="zh-TW" sz="1400">
                 <a:latin typeface="Arial" panose="020B0604020202020204" pitchFamily="34" charset="0"/>
               </a:rPr>
-              <a:t>Big Data Mining &amp; Applications, Fall 2023</a:t>
+              <a:t>Big Data Mining &amp; Applications, Fall 2024</a:t>
             </a:r>
           </a:p>
         </p:txBody>
@@ -19367,7 +19423,7 @@
               <a:rPr kumimoji="0" lang="en-US" altLang="zh-TW" sz="1400">
                 <a:latin typeface="Arial" panose="020B0604020202020204" pitchFamily="34" charset="0"/>
               </a:rPr>
-              <a:t>Big Data Mining &amp; Applications, Fall 2023</a:t>
+              <a:t>Big Data Mining &amp; Applications, Fall 2024</a:t>
             </a:r>
           </a:p>
         </p:txBody>
@@ -19989,7 +20045,7 @@
               <a:rPr kumimoji="0" lang="en-US" altLang="zh-TW" sz="1400">
                 <a:latin typeface="Arial" panose="020B0604020202020204" pitchFamily="34" charset="0"/>
               </a:rPr>
-              <a:t>Big Data Mining &amp; Applications, Fall 2023</a:t>
+              <a:t>Big Data Mining &amp; Applications, Fall 2024</a:t>
             </a:r>
           </a:p>
         </p:txBody>
@@ -21667,12 +21723,6 @@
 </file>
 
 <file path=customXml/item1.xml><?xml version="1.0" encoding="utf-8"?>
-<p:properties xmlns:p="http://schemas.microsoft.com/office/2006/metadata/properties" xmlns:xsi="http://www.w3.org/2001/XMLSchema-instance" xmlns:pc="http://schemas.microsoft.com/office/infopath/2007/PartnerControls">
-  <documentManagement/>
-</p:properties>
-</file>
-
-<file path=customXml/item2.xml><?xml version="1.0" encoding="utf-8"?>
 <ct:contentTypeSchema xmlns:ct="http://schemas.microsoft.com/office/2006/metadata/contentType" xmlns:ma="http://schemas.microsoft.com/office/2006/metadata/properties/metaAttributes" ct:_="" ma:_="" ma:contentTypeName="文件" ma:contentTypeID="0x010100CD7C3B1DE9EC174B8BA3B585D24F6191" ma:contentTypeVersion="9" ma:contentTypeDescription="建立新的文件。" ma:contentTypeScope="" ma:versionID="fc8995282d5575718c8545977d9a162e">
   <xsd:schema xmlns:xsd="http://www.w3.org/2001/XMLSchema" xmlns:xs="http://www.w3.org/2001/XMLSchema" xmlns:p="http://schemas.microsoft.com/office/2006/metadata/properties" xmlns:ns2="87d63e5e-dbb1-48d6-b55e-f31be5250adf" xmlns:ns3="5ec4d5cc-f3e4-4cb6-9660-c3ee0f8ba627" targetNamespace="http://schemas.microsoft.com/office/2006/metadata/properties" ma:root="true" ma:fieldsID="d106560f30a6cbf1f3ea6f6476f43159" ns2:_="" ns3:_="">
     <xsd:import namespace="87d63e5e-dbb1-48d6-b55e-f31be5250adf"/>
@@ -21867,6 +21917,12 @@
 </ct:contentTypeSchema>
 </file>
 
+<file path=customXml/item2.xml><?xml version="1.0" encoding="utf-8"?>
+<p:properties xmlns:p="http://schemas.microsoft.com/office/2006/metadata/properties" xmlns:xsi="http://www.w3.org/2001/XMLSchema-instance" xmlns:pc="http://schemas.microsoft.com/office/infopath/2007/PartnerControls">
+  <documentManagement/>
+</p:properties>
+</file>
+
 <file path=customXml/item3.xml><?xml version="1.0" encoding="utf-8"?>
 <?mso-contentType ?>
 <FormTemplates xmlns="http://schemas.microsoft.com/sharepoint/v3/contenttype/forms">
@@ -21877,23 +21933,6 @@
 </file>
 
 <file path=customXml/itemProps1.xml><?xml version="1.0" encoding="utf-8"?>
-<ds:datastoreItem xmlns:ds="http://schemas.openxmlformats.org/officeDocument/2006/customXml" ds:itemID="{9D3C8F21-5442-4811-AD37-E39D2F83CAEB}">
-  <ds:schemaRefs>
-    <ds:schemaRef ds:uri="5ec4d5cc-f3e4-4cb6-9660-c3ee0f8ba627"/>
-    <ds:schemaRef ds:uri="87d63e5e-dbb1-48d6-b55e-f31be5250adf"/>
-    <ds:schemaRef ds:uri="http://purl.org/dc/dcmitype/"/>
-    <ds:schemaRef ds:uri="http://purl.org/dc/elements/1.1/"/>
-    <ds:schemaRef ds:uri="http://purl.org/dc/terms/"/>
-    <ds:schemaRef ds:uri="http://schemas.microsoft.com/office/2006/documentManagement/types"/>
-    <ds:schemaRef ds:uri="http://schemas.microsoft.com/office/2006/metadata/properties"/>
-    <ds:schemaRef ds:uri="http://schemas.microsoft.com/office/infopath/2007/PartnerControls"/>
-    <ds:schemaRef ds:uri="http://schemas.openxmlformats.org/package/2006/metadata/core-properties"/>
-    <ds:schemaRef ds:uri="http://www.w3.org/XML/1998/namespace"/>
-  </ds:schemaRefs>
-</ds:datastoreItem>
-</file>
-
-<file path=customXml/itemProps2.xml><?xml version="1.0" encoding="utf-8"?>
 <ds:datastoreItem xmlns:ds="http://schemas.openxmlformats.org/officeDocument/2006/customXml" ds:itemID="{956FD376-3A59-466C-9035-95669A142593}">
   <ds:schemaRefs>
     <ds:schemaRef ds:uri="5ec4d5cc-f3e4-4cb6-9660-c3ee0f8ba627"/>
@@ -21912,6 +21951,23 @@
 </ds:datastoreItem>
 </file>
 
+<file path=customXml/itemProps2.xml><?xml version="1.0" encoding="utf-8"?>
+<ds:datastoreItem xmlns:ds="http://schemas.openxmlformats.org/officeDocument/2006/customXml" ds:itemID="{9D3C8F21-5442-4811-AD37-E39D2F83CAEB}">
+  <ds:schemaRefs>
+    <ds:schemaRef ds:uri="5ec4d5cc-f3e4-4cb6-9660-c3ee0f8ba627"/>
+    <ds:schemaRef ds:uri="87d63e5e-dbb1-48d6-b55e-f31be5250adf"/>
+    <ds:schemaRef ds:uri="http://purl.org/dc/dcmitype/"/>
+    <ds:schemaRef ds:uri="http://purl.org/dc/elements/1.1/"/>
+    <ds:schemaRef ds:uri="http://purl.org/dc/terms/"/>
+    <ds:schemaRef ds:uri="http://schemas.microsoft.com/office/2006/documentManagement/types"/>
+    <ds:schemaRef ds:uri="http://schemas.microsoft.com/office/2006/metadata/properties"/>
+    <ds:schemaRef ds:uri="http://schemas.microsoft.com/office/infopath/2007/PartnerControls"/>
+    <ds:schemaRef ds:uri="http://schemas.openxmlformats.org/package/2006/metadata/core-properties"/>
+    <ds:schemaRef ds:uri="http://www.w3.org/XML/1998/namespace"/>
+  </ds:schemaRefs>
+</ds:datastoreItem>
+</file>
+
 <file path=customXml/itemProps3.xml><?xml version="1.0" encoding="utf-8"?>
 <ds:datastoreItem xmlns:ds="http://schemas.openxmlformats.org/officeDocument/2006/customXml" ds:itemID="{6A1B13E3-E4E8-4EF1-807D-F507603EC49A}">
   <ds:schemaRefs>
